--- a/PPT/開會紀錄/20211005開會紀錄.pptx
+++ b/PPT/開會紀錄/20211005開會紀錄.pptx
@@ -3101,14 +3101,7 @@
                 <a:latin typeface="微軟正黑體" panose="020B0604030504040204" pitchFamily="34" charset="-120"/>
                 <a:ea typeface="微軟正黑體" panose="020B0604030504040204" pitchFamily="34" charset="-120"/>
               </a:rPr>
-              <a:t>格式檔轉為繪圖系統的</a:t>
-            </a:r>
-            <a:r>
-              <a:rPr lang="zh-TW" altLang="en-US" sz="1800" dirty="0" smtClean="0">
-                <a:latin typeface="微軟正黑體" panose="020B0604030504040204" pitchFamily="34" charset="-120"/>
-                <a:ea typeface="微軟正黑體" panose="020B0604030504040204" pitchFamily="34" charset="-120"/>
-              </a:rPr>
-              <a:t>呈現</a:t>
+              <a:t>格式檔轉為繪圖系統的呈現</a:t>
             </a:r>
             <a:endParaRPr lang="en-US" altLang="zh-TW" sz="1800" dirty="0" smtClean="0">
               <a:latin typeface="微軟正黑體" panose="020B0604030504040204" pitchFamily="34" charset="-120"/>
@@ -3133,10 +3126,6 @@
               </a:rPr>
               <a:t>line bot</a:t>
             </a:r>
-            <a:endParaRPr lang="en-US" altLang="zh-TW" sz="1800" dirty="0" smtClean="0">
-              <a:latin typeface="微軟正黑體" panose="020B0604030504040204" pitchFamily="34" charset="-120"/>
-              <a:ea typeface="微軟正黑體" panose="020B0604030504040204" pitchFamily="34" charset="-120"/>
-            </a:endParaRPr>
           </a:p>
           <a:p>
             <a:pPr marL="342900" indent="-342900" algn="l">
@@ -3725,6 +3714,13 @@
   <p:clrMapOvr>
     <a:masterClrMapping/>
   </p:clrMapOvr>
+  <p:timing>
+    <p:tnLst>
+      <p:par>
+        <p:cTn id="1" dur="indefinite" restart="never" nodeType="tmRoot"/>
+      </p:par>
+    </p:tnLst>
+  </p:timing>
 </p:sld>
 </file>
 
@@ -4026,8 +4022,8 @@
         </p:nvSpPr>
         <p:spPr>
           <a:xfrm>
-            <a:off x="1060937" y="1598631"/>
-            <a:ext cx="10070124" cy="646331"/>
+            <a:off x="1060937" y="1600407"/>
+            <a:ext cx="10070124" cy="1200329"/>
           </a:xfrm>
           <a:prstGeom prst="rect">
             <a:avLst/>
@@ -4092,8 +4088,47 @@
                 <a:latin typeface="微軟正黑體" panose="020B0604030504040204" pitchFamily="34" charset="-120"/>
                 <a:ea typeface="微軟正黑體" panose="020B0604030504040204" pitchFamily="34" charset="-120"/>
               </a:rPr>
-              <a:t>專題文件所需要的資料整理</a:t>
-            </a:r>
+              <a:t>專題文件所需要的資料</a:t>
+            </a:r>
+            <a:r>
+              <a:rPr lang="zh-TW" altLang="en-US" dirty="0" smtClean="0">
+                <a:latin typeface="微軟正黑體" panose="020B0604030504040204" pitchFamily="34" charset="-120"/>
+                <a:ea typeface="微軟正黑體" panose="020B0604030504040204" pitchFamily="34" charset="-120"/>
+              </a:rPr>
+              <a:t>整理</a:t>
+            </a:r>
+            <a:endParaRPr lang="en-US" altLang="zh-TW" dirty="0" smtClean="0">
+              <a:latin typeface="微軟正黑體" panose="020B0604030504040204" pitchFamily="34" charset="-120"/>
+              <a:ea typeface="微軟正黑體" panose="020B0604030504040204" pitchFamily="34" charset="-120"/>
+            </a:endParaRPr>
+          </a:p>
+          <a:p>
+            <a:pPr marL="342900" indent="-342900">
+              <a:buAutoNum type="arabicPeriod"/>
+            </a:pPr>
+            <a:r>
+              <a:rPr lang="en-US" altLang="zh-TW" dirty="0">
+                <a:latin typeface="微軟正黑體" panose="020B0604030504040204" pitchFamily="34" charset="-120"/>
+                <a:ea typeface="微軟正黑體" panose="020B0604030504040204" pitchFamily="34" charset="-120"/>
+              </a:rPr>
+              <a:t>Fuzz</a:t>
+            </a:r>
+            <a:r>
+              <a:rPr lang="zh-TW" altLang="en-US" dirty="0">
+                <a:latin typeface="微軟正黑體" panose="020B0604030504040204" pitchFamily="34" charset="-120"/>
+                <a:ea typeface="微軟正黑體" panose="020B0604030504040204" pitchFamily="34" charset="-120"/>
+              </a:rPr>
+              <a:t>的評分方式改善</a:t>
+            </a:r>
+            <a:endParaRPr lang="en-US" altLang="zh-TW" dirty="0" smtClean="0">
+              <a:latin typeface="微軟正黑體" panose="020B0604030504040204" pitchFamily="34" charset="-120"/>
+              <a:ea typeface="微軟正黑體" panose="020B0604030504040204" pitchFamily="34" charset="-120"/>
+            </a:endParaRPr>
+          </a:p>
+          <a:p>
+            <a:pPr marL="342900" indent="-342900">
+              <a:buAutoNum type="arabicPeriod"/>
+            </a:pPr>
             <a:endParaRPr lang="en-US" altLang="zh-TW" dirty="0" smtClean="0">
               <a:latin typeface="微軟正黑體" panose="020B0604030504040204" pitchFamily="34" charset="-120"/>
               <a:ea typeface="微軟正黑體" panose="020B0604030504040204" pitchFamily="34" charset="-120"/>
@@ -4111,6 +4146,13 @@
   <p:clrMapOvr>
     <a:masterClrMapping/>
   </p:clrMapOvr>
+  <p:timing>
+    <p:tnLst>
+      <p:par>
+        <p:cTn id="1" dur="indefinite" restart="never" nodeType="tmRoot"/>
+      </p:par>
+    </p:tnLst>
+  </p:timing>
 </p:sld>
 </file>
 
